--- a/PP báo cáo đồ án _ TRần Đại Hiệp.pptx
+++ b/PP báo cáo đồ án _ TRần Đại Hiệp.pptx
@@ -334,6 +334,7 @@
           </a:p>
         </c:rich>
       </c:tx>
+      <c:layout/>
       <c:overlay val="0"/>
       <c:spPr>
         <a:noFill/>
@@ -446,6 +447,7 @@
             <c:showLeaderLines val="0"/>
             <c:extLst>
               <c:ext xmlns:c15="http://schemas.microsoft.com/office/drawing/2012/chart" uri="{CE6537A1-D6FC-4f65-9D91-7224C49458BB}">
+                <c15:layout/>
                 <c15:showLeaderLines val="1"/>
                 <c15:leaderLines>
                   <c:spPr>
@@ -602,7 +604,9 @@
               <c:showPercent val="0"/>
               <c:showBubbleSize val="0"/>
               <c:extLst>
-                <c:ext xmlns:c15="http://schemas.microsoft.com/office/drawing/2012/chart" uri="{CE6537A1-D6FC-4f65-9D91-7224C49458BB}"/>
+                <c:ext xmlns:c15="http://schemas.microsoft.com/office/drawing/2012/chart" uri="{CE6537A1-D6FC-4f65-9D91-7224C49458BB}">
+                  <c15:layout/>
+                </c:ext>
                 <c:ext xmlns:c16="http://schemas.microsoft.com/office/drawing/2014/chart" uri="{C3380CC4-5D6E-409C-BE32-E72D297353CC}">
                   <c16:uniqueId val="{00000001-562A-44B2-8DF8-0C43A0D0EB72}"/>
                 </c:ext>
@@ -623,7 +627,9 @@
               <c:showPercent val="0"/>
               <c:showBubbleSize val="0"/>
               <c:extLst>
-                <c:ext xmlns:c15="http://schemas.microsoft.com/office/drawing/2012/chart" uri="{CE6537A1-D6FC-4f65-9D91-7224C49458BB}"/>
+                <c:ext xmlns:c15="http://schemas.microsoft.com/office/drawing/2012/chart" uri="{CE6537A1-D6FC-4f65-9D91-7224C49458BB}">
+                  <c15:layout/>
+                </c:ext>
                 <c:ext xmlns:c16="http://schemas.microsoft.com/office/drawing/2014/chart" uri="{C3380CC4-5D6E-409C-BE32-E72D297353CC}">
                   <c16:uniqueId val="{00000002-562A-44B2-8DF8-0C43A0D0EB72}"/>
                 </c:ext>
@@ -644,7 +650,9 @@
               <c:showPercent val="0"/>
               <c:showBubbleSize val="0"/>
               <c:extLst>
-                <c:ext xmlns:c15="http://schemas.microsoft.com/office/drawing/2012/chart" uri="{CE6537A1-D6FC-4f65-9D91-7224C49458BB}"/>
+                <c:ext xmlns:c15="http://schemas.microsoft.com/office/drawing/2012/chart" uri="{CE6537A1-D6FC-4f65-9D91-7224C49458BB}">
+                  <c15:layout/>
+                </c:ext>
                 <c:ext xmlns:c16="http://schemas.microsoft.com/office/drawing/2014/chart" uri="{C3380CC4-5D6E-409C-BE32-E72D297353CC}">
                   <c16:uniqueId val="{00000003-562A-44B2-8DF8-0C43A0D0EB72}"/>
                 </c:ext>
@@ -665,7 +673,9 @@
               <c:showPercent val="0"/>
               <c:showBubbleSize val="0"/>
               <c:extLst>
-                <c:ext xmlns:c15="http://schemas.microsoft.com/office/drawing/2012/chart" uri="{CE6537A1-D6FC-4f65-9D91-7224C49458BB}"/>
+                <c:ext xmlns:c15="http://schemas.microsoft.com/office/drawing/2012/chart" uri="{CE6537A1-D6FC-4f65-9D91-7224C49458BB}">
+                  <c15:layout/>
+                </c:ext>
                 <c:ext xmlns:c16="http://schemas.microsoft.com/office/drawing/2014/chart" uri="{C3380CC4-5D6E-409C-BE32-E72D297353CC}">
                   <c16:uniqueId val="{00000004-562A-44B2-8DF8-0C43A0D0EB72}"/>
                 </c:ext>
@@ -686,7 +696,9 @@
               <c:showPercent val="0"/>
               <c:showBubbleSize val="0"/>
               <c:extLst>
-                <c:ext xmlns:c15="http://schemas.microsoft.com/office/drawing/2012/chart" uri="{CE6537A1-D6FC-4f65-9D91-7224C49458BB}"/>
+                <c:ext xmlns:c15="http://schemas.microsoft.com/office/drawing/2012/chart" uri="{CE6537A1-D6FC-4f65-9D91-7224C49458BB}">
+                  <c15:layout/>
+                </c:ext>
                 <c:ext xmlns:c16="http://schemas.microsoft.com/office/drawing/2014/chart" uri="{C3380CC4-5D6E-409C-BE32-E72D297353CC}">
                   <c16:uniqueId val="{00000005-562A-44B2-8DF8-0C43A0D0EB72}"/>
                 </c:ext>
@@ -707,7 +719,9 @@
               <c:showPercent val="0"/>
               <c:showBubbleSize val="0"/>
               <c:extLst>
-                <c:ext xmlns:c15="http://schemas.microsoft.com/office/drawing/2012/chart" uri="{CE6537A1-D6FC-4f65-9D91-7224C49458BB}"/>
+                <c:ext xmlns:c15="http://schemas.microsoft.com/office/drawing/2012/chart" uri="{CE6537A1-D6FC-4f65-9D91-7224C49458BB}">
+                  <c15:layout/>
+                </c:ext>
                 <c:ext xmlns:c16="http://schemas.microsoft.com/office/drawing/2014/chart" uri="{C3380CC4-5D6E-409C-BE32-E72D297353CC}">
                   <c16:uniqueId val="{00000006-562A-44B2-8DF8-0C43A0D0EB72}"/>
                 </c:ext>
@@ -728,7 +742,9 @@
               <c:showPercent val="0"/>
               <c:showBubbleSize val="0"/>
               <c:extLst>
-                <c:ext xmlns:c15="http://schemas.microsoft.com/office/drawing/2012/chart" uri="{CE6537A1-D6FC-4f65-9D91-7224C49458BB}"/>
+                <c:ext xmlns:c15="http://schemas.microsoft.com/office/drawing/2012/chart" uri="{CE6537A1-D6FC-4f65-9D91-7224C49458BB}">
+                  <c15:layout/>
+                </c:ext>
                 <c:ext xmlns:c16="http://schemas.microsoft.com/office/drawing/2014/chart" uri="{C3380CC4-5D6E-409C-BE32-E72D297353CC}">
                   <c16:uniqueId val="{00000007-562A-44B2-8DF8-0C43A0D0EB72}"/>
                 </c:ext>
@@ -749,7 +765,9 @@
               <c:showPercent val="0"/>
               <c:showBubbleSize val="0"/>
               <c:extLst>
-                <c:ext xmlns:c15="http://schemas.microsoft.com/office/drawing/2012/chart" uri="{CE6537A1-D6FC-4f65-9D91-7224C49458BB}"/>
+                <c:ext xmlns:c15="http://schemas.microsoft.com/office/drawing/2012/chart" uri="{CE6537A1-D6FC-4f65-9D91-7224C49458BB}">
+                  <c15:layout/>
+                </c:ext>
                 <c:ext xmlns:c16="http://schemas.microsoft.com/office/drawing/2014/chart" uri="{C3380CC4-5D6E-409C-BE32-E72D297353CC}">
                   <c16:uniqueId val="{00000008-562A-44B2-8DF8-0C43A0D0EB72}"/>
                 </c:ext>
@@ -793,6 +811,7 @@
             <c:showLeaderLines val="0"/>
             <c:extLst>
               <c:ext xmlns:c15="http://schemas.microsoft.com/office/drawing/2012/chart" uri="{CE6537A1-D6FC-4f65-9D91-7224C49458BB}">
+                <c15:layout/>
                 <c15:showLeaderLines val="1"/>
                 <c15:leaderLines>
                   <c:spPr>
@@ -1181,6 +1200,7 @@
                     <a:noFill/>
                   </a:ln>
                 </c15:spPr>
+                <c15:layout/>
                 <c15:showLeaderLines val="1"/>
                 <c15:leaderLines>
                   <c:spPr>
@@ -1431,6 +1451,7 @@
           </a:p>
         </c:txPr>
       </c:legendEntry>
+      <c:layout/>
       <c:overlay val="0"/>
       <c:spPr>
         <a:noFill/>
@@ -1508,7 +1529,7 @@
           <a:lstStyle/>
           <a:p>
             <a:pPr>
-              <a:defRPr sz="1862" b="0" i="0" u="none" strike="noStrike" kern="1200" spc="0" baseline="0">
+              <a:defRPr sz="2200" b="0" i="0" u="none" strike="noStrike" kern="1200" spc="0" baseline="0">
                 <a:solidFill>
                   <a:schemeClr val="tx1">
                     <a:lumMod val="65000"/>
@@ -1521,26 +1542,27 @@
               </a:defRPr>
             </a:pPr>
             <a:r>
-              <a:rPr lang="en-US" sz="2400" smtClean="0">
+              <a:rPr lang="en-US" sz="2200" smtClean="0">
                 <a:latin typeface="Arial" panose="020B0604020202020204" pitchFamily="34" charset="0"/>
                 <a:cs typeface="Arial" panose="020B0604020202020204" pitchFamily="34" charset="0"/>
               </a:rPr>
               <a:t>Biểu</a:t>
             </a:r>
             <a:r>
-              <a:rPr lang="en-US" sz="2400" baseline="0" smtClean="0">
+              <a:rPr lang="en-US" sz="2200" baseline="0" smtClean="0">
                 <a:latin typeface="Arial" panose="020B0604020202020204" pitchFamily="34" charset="0"/>
                 <a:cs typeface="Arial" panose="020B0604020202020204" pitchFamily="34" charset="0"/>
               </a:rPr>
               <a:t> đồ sử dụng ram trên các thiết bị</a:t>
             </a:r>
-            <a:endParaRPr lang="en-US" sz="2400">
+            <a:endParaRPr lang="en-US" sz="2200">
               <a:latin typeface="Arial" panose="020B0604020202020204" pitchFamily="34" charset="0"/>
               <a:cs typeface="Arial" panose="020B0604020202020204" pitchFamily="34" charset="0"/>
             </a:endParaRPr>
           </a:p>
         </c:rich>
       </c:tx>
+      <c:layout/>
       <c:overlay val="0"/>
       <c:spPr>
         <a:noFill/>
@@ -1554,7 +1576,7 @@
         <a:lstStyle/>
         <a:p>
           <a:pPr>
-            <a:defRPr sz="1862" b="0" i="0" u="none" strike="noStrike" kern="1200" spc="0" baseline="0">
+            <a:defRPr sz="2200" b="0" i="0" u="none" strike="noStrike" kern="1200" spc="0" baseline="0">
               <a:solidFill>
                 <a:schemeClr val="tx1">
                   <a:lumMod val="65000"/>
@@ -1704,7 +1726,7 @@
               <a:lstStyle/>
               <a:p>
                 <a:pPr>
-                  <a:defRPr sz="2400" b="0" i="0" u="none" strike="noStrike" kern="1200" baseline="0">
+                  <a:defRPr sz="1400" b="0" i="0" u="none" strike="noStrike" kern="1200" baseline="0">
                     <a:solidFill>
                       <a:schemeClr val="tx1">
                         <a:lumMod val="75000"/>
@@ -1729,6 +1751,7 @@
             <c:showLeaderLines val="0"/>
             <c:extLst>
               <c:ext xmlns:c15="http://schemas.microsoft.com/office/drawing/2012/chart" uri="{CE6537A1-D6FC-4f65-9D91-7224C49458BB}">
+                <c15:layout/>
                 <c15:showLeaderLines val="1"/>
                 <c15:leaderLines>
                   <c:spPr>
@@ -1753,10 +1776,10 @@
               <c:strCache>
                 <c:ptCount val="4"/>
                 <c:pt idx="0">
-                  <c:v>Galaxy s6</c:v>
+                  <c:v>Galaxy A20</c:v>
                 </c:pt>
                 <c:pt idx="1">
-                  <c:v>Galaxy s7</c:v>
+                  <c:v>Galaxy A50</c:v>
                 </c:pt>
                 <c:pt idx="2">
                   <c:v>Galaxy A71</c:v>
@@ -1771,19 +1794,19 @@
             <c:numRef>
               <c:f>Sheet1!$B$2:$B$5</c:f>
               <c:numCache>
-                <c:formatCode>0%</c:formatCode>
+                <c:formatCode>0.00%</c:formatCode>
                 <c:ptCount val="4"/>
                 <c:pt idx="0">
-                  <c:v>7.3999999999999996E-2</c:v>
+                  <c:v>9.7000000000000003E-2</c:v>
                 </c:pt>
                 <c:pt idx="1">
-                  <c:v>6.0999999999999999E-2</c:v>
+                  <c:v>7.3200000000000001E-2</c:v>
                 </c:pt>
                 <c:pt idx="2">
-                  <c:v>5.6000000000000001E-2</c:v>
+                  <c:v>4.8800000000000003E-2</c:v>
                 </c:pt>
                 <c:pt idx="3">
-                  <c:v>4.8000000000000001E-2</c:v>
+                  <c:v>3.6900000000000002E-2</c:v>
                 </c:pt>
               </c:numCache>
             </c:numRef>
@@ -1863,7 +1886,7 @@
         <c:axId val="-347520768"/>
         <c:scaling>
           <c:orientation val="minMax"/>
-          <c:max val="0.1"/>
+          <c:max val="0.12000000000000001"/>
         </c:scaling>
         <c:delete val="0"/>
         <c:axPos val="l"/>
@@ -1926,6 +1949,16 @@
     </c:plotArea>
     <c:legend>
       <c:legendPos val="b"/>
+      <c:layout>
+        <c:manualLayout>
+          <c:xMode val="edge"/>
+          <c:yMode val="edge"/>
+          <c:x val="2.3946992471021559E-2"/>
+          <c:y val="0.9055230511417629"/>
+          <c:w val="0.95748008860542366"/>
+          <c:h val="7.6711944890253306E-2"/>
+        </c:manualLayout>
+      </c:layout>
       <c:overlay val="0"/>
       <c:spPr>
         <a:noFill/>
@@ -1939,7 +1972,7 @@
         <a:lstStyle/>
         <a:p>
           <a:pPr>
-            <a:defRPr sz="2000" b="0" i="0" u="none" strike="noStrike" kern="1200" baseline="0">
+            <a:defRPr sz="1800" b="0" i="0" u="none" strike="noStrike" kern="1200" baseline="0">
               <a:solidFill>
                 <a:schemeClr val="tx1">
                   <a:lumMod val="65000"/>
@@ -4131,6 +4164,74 @@
               </a:spcAft>
               <a:buNone/>
             </a:pPr>
+            <a:r>
+              <a:rPr lang="en-US" smtClean="0"/>
+              <a:t>300md </a:t>
+            </a:r>
+          </a:p>
+          <a:p>
+            <a:pPr marL="0" lvl="0" indent="0" algn="l" rtl="0">
+              <a:spcBef>
+                <a:spcPts val="0"/>
+              </a:spcBef>
+              <a:spcAft>
+                <a:spcPts val="0"/>
+              </a:spcAft>
+              <a:buNone/>
+            </a:pPr>
+            <a:r>
+              <a:rPr lang="en-US" smtClean="0"/>
+              <a:t>A20 </a:t>
+            </a:r>
+            <a:r>
+              <a:rPr lang="en-US" baseline="0" smtClean="0"/>
+              <a:t> 3GB</a:t>
+            </a:r>
+          </a:p>
+          <a:p>
+            <a:pPr marL="0" lvl="0" indent="0" algn="l" rtl="0">
+              <a:spcBef>
+                <a:spcPts val="0"/>
+              </a:spcBef>
+              <a:spcAft>
+                <a:spcPts val="0"/>
+              </a:spcAft>
+              <a:buNone/>
+            </a:pPr>
+            <a:r>
+              <a:rPr lang="en-US" baseline="0" smtClean="0"/>
+              <a:t>A50 4GB</a:t>
+            </a:r>
+          </a:p>
+          <a:p>
+            <a:pPr marL="0" lvl="0" indent="0" algn="l" rtl="0">
+              <a:spcBef>
+                <a:spcPts val="0"/>
+              </a:spcBef>
+              <a:spcAft>
+                <a:spcPts val="0"/>
+              </a:spcAft>
+              <a:buNone/>
+            </a:pPr>
+            <a:r>
+              <a:rPr lang="en-US" baseline="0" smtClean="0"/>
+              <a:t>A71 6GB</a:t>
+            </a:r>
+          </a:p>
+          <a:p>
+            <a:pPr marL="0" lvl="0" indent="0" algn="l" rtl="0">
+              <a:spcBef>
+                <a:spcPts val="0"/>
+              </a:spcBef>
+              <a:spcAft>
+                <a:spcPts val="0"/>
+              </a:spcAft>
+              <a:buNone/>
+            </a:pPr>
+            <a:r>
+              <a:rPr lang="en-US" baseline="0" smtClean="0"/>
+              <a:t>Note 10 9GB</a:t>
+            </a:r>
             <a:endParaRPr/>
           </a:p>
         </p:txBody>
@@ -9908,7 +10009,7 @@
           <a:p>
             <a:fld id="{4CB918CC-DAC0-400C-8ED4-048309DB9A6F}" type="datetimeFigureOut">
               <a:rPr lang="en-US" smtClean="0"/>
-              <a:t>5/23/2020</a:t>
+              <a:t>5/24/2020</a:t>
             </a:fld>
             <a:endParaRPr lang="en-US"/>
           </a:p>
@@ -12299,7 +12400,7 @@
           <a:graphicData uri="http://schemas.openxmlformats.org/presentationml/2006/ole">
             <mc:AlternateContent xmlns:mc="http://schemas.openxmlformats.org/markup-compatibility/2006">
               <mc:Choice xmlns:v="urn:schemas-microsoft-com:vml" Requires="v">
-                <p:oleObj spid="_x0000_s2082" r:id="rId4" imgW="3078360" imgH="6754320" progId="">
+                <p:oleObj spid="_x0000_s2086" r:id="rId4" imgW="3078360" imgH="6754320" progId="">
                   <p:embed/>
                 </p:oleObj>
               </mc:Choice>
@@ -12507,7 +12608,7 @@
           <a:graphicData uri="http://schemas.openxmlformats.org/presentationml/2006/ole">
             <mc:AlternateContent xmlns:mc="http://schemas.openxmlformats.org/markup-compatibility/2006">
               <mc:Choice xmlns:v="urn:schemas-microsoft-com:vml" Requires="v">
-                <p:oleObj spid="_x0000_s1059" r:id="rId4" imgW="3078360" imgH="6754320" progId="">
+                <p:oleObj spid="_x0000_s1063" r:id="rId4" imgW="3078360" imgH="6754320" progId="">
                   <p:embed/>
                 </p:oleObj>
               </mc:Choice>
@@ -13293,7 +13394,7 @@
           <p:nvPr>
             <p:extLst>
               <p:ext uri="{D42A27DB-BD31-4B8C-83A1-F6EECF244321}">
-                <p14:modId xmlns:p14="http://schemas.microsoft.com/office/powerpoint/2010/main" val="2121156564"/>
+                <p14:modId xmlns:p14="http://schemas.microsoft.com/office/powerpoint/2010/main" val="1096694546"/>
               </p:ext>
             </p:extLst>
           </p:nvPr>

--- a/PP báo cáo đồ án _ TRần Đại Hiệp.pptx
+++ b/PP báo cáo đồ án _ TRần Đại Hiệp.pptx
@@ -1785,7 +1785,7 @@
                   <c:v>Galaxy A71</c:v>
                 </c:pt>
                 <c:pt idx="3">
-                  <c:v>Note 10</c:v>
+                  <c:v>Galaxy A80</c:v>
                 </c:pt>
               </c:strCache>
             </c:strRef>
@@ -12400,7 +12400,7 @@
           <a:graphicData uri="http://schemas.openxmlformats.org/presentationml/2006/ole">
             <mc:AlternateContent xmlns:mc="http://schemas.openxmlformats.org/markup-compatibility/2006">
               <mc:Choice xmlns:v="urn:schemas-microsoft-com:vml" Requires="v">
-                <p:oleObj spid="_x0000_s2086" r:id="rId4" imgW="3078360" imgH="6754320" progId="">
+                <p:oleObj spid="_x0000_s2089" r:id="rId4" imgW="3078360" imgH="6754320" progId="">
                   <p:embed/>
                 </p:oleObj>
               </mc:Choice>
@@ -12608,7 +12608,7 @@
           <a:graphicData uri="http://schemas.openxmlformats.org/presentationml/2006/ole">
             <mc:AlternateContent xmlns:mc="http://schemas.openxmlformats.org/markup-compatibility/2006">
               <mc:Choice xmlns:v="urn:schemas-microsoft-com:vml" Requires="v">
-                <p:oleObj spid="_x0000_s1063" r:id="rId4" imgW="3078360" imgH="6754320" progId="">
+                <p:oleObj spid="_x0000_s1066" r:id="rId4" imgW="3078360" imgH="6754320" progId="">
                   <p:embed/>
                 </p:oleObj>
               </mc:Choice>
@@ -13394,7 +13394,7 @@
           <p:nvPr>
             <p:extLst>
               <p:ext uri="{D42A27DB-BD31-4B8C-83A1-F6EECF244321}">
-                <p14:modId xmlns:p14="http://schemas.microsoft.com/office/powerpoint/2010/main" val="1096694546"/>
+                <p14:modId xmlns:p14="http://schemas.microsoft.com/office/powerpoint/2010/main" val="3078033943"/>
               </p:ext>
             </p:extLst>
           </p:nvPr>
@@ -25525,11 +25525,18 @@
               <a:buChar char="•"/>
             </a:pPr>
             <a:r>
+              <a:rPr lang="en-US" sz="1800" smtClean="0">
+                <a:latin typeface="Arial" panose="020B0604020202020204" pitchFamily="34" charset="0"/>
+                <a:cs typeface="Arial" panose="020B0604020202020204" pitchFamily="34" charset="0"/>
+              </a:rPr>
+              <a:t>Mảng(ms</a:t>
+            </a:r>
+            <a:r>
               <a:rPr lang="en-US" sz="1800">
                 <a:latin typeface="Arial" panose="020B0604020202020204" pitchFamily="34" charset="0"/>
                 <a:cs typeface="Arial" panose="020B0604020202020204" pitchFamily="34" charset="0"/>
               </a:rPr>
-              <a:t>Mảng(ms): [0, 50.000, 110.000, 150.000] </a:t>
+              <a:t>): [0, 50.000, 110.000, 150.000] </a:t>
             </a:r>
           </a:p>
         </p:txBody>
@@ -25564,12 +25571,44 @@
               <a:buChar char="•"/>
             </a:pPr>
             <a:r>
+              <a:rPr lang="en-US" sz="1800" smtClean="0">
+                <a:latin typeface="Arial" panose="020B0604020202020204" pitchFamily="34" charset="0"/>
+                <a:cs typeface="Arial" panose="020B0604020202020204" pitchFamily="34" charset="0"/>
+              </a:rPr>
+              <a:t>Thời gian phát của video </a:t>
+            </a:r>
+            <a:r>
               <a:rPr lang="en-US" sz="1800">
                 <a:latin typeface="Arial" panose="020B0604020202020204" pitchFamily="34" charset="0"/>
                 <a:cs typeface="Arial" panose="020B0604020202020204" pitchFamily="34" charset="0"/>
               </a:rPr>
-              <a:t>Thời gian phát của video = (Thời gian hệ thống % tổng thời gian video) </a:t>
+              <a:t>= </a:t>
             </a:r>
+            <a:r>
+              <a:rPr lang="en-US" sz="1800" smtClean="0">
+                <a:latin typeface="Arial" panose="020B0604020202020204" pitchFamily="34" charset="0"/>
+                <a:cs typeface="Arial" panose="020B0604020202020204" pitchFamily="34" charset="0"/>
+              </a:rPr>
+              <a:t>(Thời gian hệ thống </a:t>
+            </a:r>
+            <a:r>
+              <a:rPr lang="en-US" sz="1800">
+                <a:latin typeface="Arial" panose="020B0604020202020204" pitchFamily="34" charset="0"/>
+                <a:cs typeface="Arial" panose="020B0604020202020204" pitchFamily="34" charset="0"/>
+              </a:rPr>
+              <a:t>% </a:t>
+            </a:r>
+            <a:r>
+              <a:rPr lang="en-US" sz="1800" smtClean="0">
+                <a:latin typeface="Arial" panose="020B0604020202020204" pitchFamily="34" charset="0"/>
+                <a:cs typeface="Arial" panose="020B0604020202020204" pitchFamily="34" charset="0"/>
+              </a:rPr>
+              <a:t>tổng thời gian video) </a:t>
+            </a:r>
+            <a:endParaRPr lang="en-US" sz="1800">
+              <a:latin typeface="Arial" panose="020B0604020202020204" pitchFamily="34" charset="0"/>
+              <a:cs typeface="Arial" panose="020B0604020202020204" pitchFamily="34" charset="0"/>
+            </a:endParaRPr>
           </a:p>
           <a:p>
             <a:pPr>
@@ -25582,22 +25621,19 @@
                 <a:latin typeface="Arial" panose="020B0604020202020204" pitchFamily="34" charset="0"/>
                 <a:cs typeface="Arial" panose="020B0604020202020204" pitchFamily="34" charset="0"/>
               </a:rPr>
-              <a:t>			-  thời gian đầu của video gần nhất </a:t>
+              <a:t>			- </a:t>
             </a:r>
             <a:r>
               <a:rPr lang="en-US" sz="1800" smtClean="0">
                 <a:latin typeface="Arial" panose="020B0604020202020204" pitchFamily="34" charset="0"/>
                 <a:cs typeface="Arial" panose="020B0604020202020204" pitchFamily="34" charset="0"/>
               </a:rPr>
-              <a:t> 					- random(500ms</a:t>
+              <a:t> thời gian đầu của video gần nhất  					- random(500ms)</a:t>
             </a:r>
-            <a:r>
-              <a:rPr lang="en-US" sz="1800">
-                <a:latin typeface="Arial" panose="020B0604020202020204" pitchFamily="34" charset="0"/>
-                <a:cs typeface="Arial" panose="020B0604020202020204" pitchFamily="34" charset="0"/>
-              </a:rPr>
-              <a:t>)</a:t>
-            </a:r>
+            <a:endParaRPr lang="en-US" sz="1800">
+              <a:latin typeface="Arial" panose="020B0604020202020204" pitchFamily="34" charset="0"/>
+              <a:cs typeface="Arial" panose="020B0604020202020204" pitchFamily="34" charset="0"/>
+            </a:endParaRPr>
           </a:p>
         </p:txBody>
       </p:sp>

--- a/PP báo cáo đồ án _ TRần Đại Hiệp.pptx
+++ b/PP báo cáo đồ án _ TRần Đại Hiệp.pptx
@@ -387,7 +387,7 @@
           <c:spPr>
             <a:ln w="28575" cap="rnd">
               <a:solidFill>
-                <a:schemeClr val="accent1"/>
+                <a:srgbClr val="C00000"/>
               </a:solidFill>
               <a:round/>
             </a:ln>
@@ -398,11 +398,11 @@
             <c:size val="5"/>
             <c:spPr>
               <a:solidFill>
-                <a:schemeClr val="accent1"/>
+                <a:srgbClr val="FF0000"/>
               </a:solidFill>
               <a:ln w="9525">
                 <a:solidFill>
-                  <a:schemeClr val="accent1"/>
+                  <a:srgbClr val="C00000"/>
                 </a:solidFill>
               </a:ln>
               <a:effectLst/>
@@ -561,10 +561,7 @@
           <c:spPr>
             <a:ln w="28575" cap="rnd">
               <a:solidFill>
-                <a:schemeClr val="accent5">
-                  <a:lumMod val="75000"/>
-                  <a:lumOff val="25000"/>
-                </a:schemeClr>
+                <a:srgbClr val="7030A0"/>
               </a:solidFill>
               <a:round/>
             </a:ln>
@@ -575,14 +572,11 @@
             <c:size val="5"/>
             <c:spPr>
               <a:solidFill>
-                <a:schemeClr val="accent2"/>
+                <a:srgbClr val="7030A0"/>
               </a:solidFill>
               <a:ln w="9525">
                 <a:solidFill>
-                  <a:schemeClr val="accent5">
-                    <a:lumMod val="75000"/>
-                    <a:lumOff val="25000"/>
-                  </a:schemeClr>
+                  <a:srgbClr val="7030A0"/>
                 </a:solidFill>
               </a:ln>
               <a:effectLst/>
@@ -10009,7 +10003,7 @@
           <a:p>
             <a:fld id="{4CB918CC-DAC0-400C-8ED4-048309DB9A6F}" type="datetimeFigureOut">
               <a:rPr lang="en-US" smtClean="0"/>
-              <a:t>5/24/2020</a:t>
+              <a:t>6/4/2020</a:t>
             </a:fld>
             <a:endParaRPr lang="en-US"/>
           </a:p>
@@ -11483,8 +11477,19 @@
                 <a:latin typeface="Arial" panose="020B0604020202020204" pitchFamily="34" charset="0"/>
                 <a:cs typeface="Arial" panose="020B0604020202020204" pitchFamily="34" charset="0"/>
               </a:rPr>
-              <a:t>Đề tài: Phát triển ứng dụng theo dõi và bảo vệ các mẫu điện thoại thông minh của Samsung tại các cửa hàng bán lẻ</a:t>
+              <a:t>Đề tài: </a:t>
             </a:r>
+            <a:r>
+              <a:rPr lang="en-US" sz="2000" smtClean="0">
+                <a:latin typeface="Arial" panose="020B0604020202020204" pitchFamily="34" charset="0"/>
+                <a:cs typeface="Arial" panose="020B0604020202020204" pitchFamily="34" charset="0"/>
+              </a:rPr>
+              <a:t>Xây dựng ứng dụng theo dõi và quản lý các mẫu điện thoại Samsung tại các cửa hàng bán lẻ</a:t>
+            </a:r>
+            <a:endParaRPr lang="en-US" sz="2000">
+              <a:latin typeface="Arial" panose="020B0604020202020204" pitchFamily="34" charset="0"/>
+              <a:cs typeface="Arial" panose="020B0604020202020204" pitchFamily="34" charset="0"/>
+            </a:endParaRPr>
           </a:p>
         </p:txBody>
       </p:sp>
@@ -12400,7 +12405,7 @@
           <a:graphicData uri="http://schemas.openxmlformats.org/presentationml/2006/ole">
             <mc:AlternateContent xmlns:mc="http://schemas.openxmlformats.org/markup-compatibility/2006">
               <mc:Choice xmlns:v="urn:schemas-microsoft-com:vml" Requires="v">
-                <p:oleObj spid="_x0000_s2089" r:id="rId4" imgW="3078360" imgH="6754320" progId="">
+                <p:oleObj spid="_x0000_s2092" r:id="rId4" imgW="3078360" imgH="6754320" progId="">
                   <p:embed/>
                 </p:oleObj>
               </mc:Choice>
@@ -12608,7 +12613,7 @@
           <a:graphicData uri="http://schemas.openxmlformats.org/presentationml/2006/ole">
             <mc:AlternateContent xmlns:mc="http://schemas.openxmlformats.org/markup-compatibility/2006">
               <mc:Choice xmlns:v="urn:schemas-microsoft-com:vml" Requires="v">
-                <p:oleObj spid="_x0000_s1066" r:id="rId4" imgW="3078360" imgH="6754320" progId="">
+                <p:oleObj spid="_x0000_s1069" r:id="rId4" imgW="3078360" imgH="6754320" progId="">
                   <p:embed/>
                 </p:oleObj>
               </mc:Choice>
@@ -12957,7 +12962,7 @@
           <p:nvPr>
             <p:extLst>
               <p:ext uri="{D42A27DB-BD31-4B8C-83A1-F6EECF244321}">
-                <p14:modId xmlns:p14="http://schemas.microsoft.com/office/powerpoint/2010/main" val="1918191237"/>
+                <p14:modId xmlns:p14="http://schemas.microsoft.com/office/powerpoint/2010/main" val="2415038566"/>
               </p:ext>
             </p:extLst>
           </p:nvPr>
